--- a/marco-schouten-presentazione-tesi.pptx
+++ b/marco-schouten-presentazione-tesi.pptx
@@ -5,7 +5,7 @@
     <p:sldMasterId id="2147483648" r:id="rId1"/>
   </p:sldMasterIdLst>
   <p:notesMasterIdLst>
-    <p:notesMasterId r:id="rId13"/>
+    <p:notesMasterId r:id="rId14"/>
   </p:notesMasterIdLst>
   <p:sldIdLst>
     <p:sldId id="270" r:id="rId2"/>
@@ -18,7 +18,8 @@
     <p:sldId id="273" r:id="rId9"/>
     <p:sldId id="280" r:id="rId10"/>
     <p:sldId id="271" r:id="rId11"/>
-    <p:sldId id="274" r:id="rId12"/>
+    <p:sldId id="283" r:id="rId12"/>
+    <p:sldId id="274" r:id="rId13"/>
   </p:sldIdLst>
   <p:sldSz cx="12192000" cy="6858000"/>
   <p:notesSz cx="6858000" cy="9144000"/>
@@ -132,6 +133,7 @@
             <p14:sldId id="273"/>
             <p14:sldId id="280"/>
             <p14:sldId id="271"/>
+            <p14:sldId id="283"/>
             <p14:sldId id="274"/>
           </p14:sldIdLst>
         </p14:section>
@@ -226,7 +228,7 @@
           <a:p>
             <a:fld id="{F59BA640-2F36-412C-A4D1-DEC7268A0E79}" type="datetimeFigureOut">
               <a:rPr lang="it-IT" smtClean="0"/>
-              <a:t>24/07/2020</a:t>
+              <a:t>29/12/2020</a:t>
             </a:fld>
             <a:endParaRPr lang="it-IT" dirty="0"/>
           </a:p>
@@ -384,7 +386,7 @@
           <a:p>
             <a:fld id="{8ED92B2C-5CFA-4787-867D-0624F8FD9221}" type="slidenum">
               <a:rPr lang="it-IT" smtClean="0"/>
-              <a:t>‹N›</a:t>
+              <a:t>‹#›</a:t>
             </a:fld>
             <a:endParaRPr lang="it-IT" dirty="0"/>
           </a:p>
@@ -710,6 +712,113 @@
 </p:notes>
 </file>
 
+<file path=ppt/notesSlides/notesSlide11.xml><?xml version="1.0" encoding="utf-8"?>
+<p:notes xmlns:a="http://schemas.openxmlformats.org/drawingml/2006/main" xmlns:r="http://schemas.openxmlformats.org/officeDocument/2006/relationships" xmlns:p="http://schemas.openxmlformats.org/presentationml/2006/main">
+  <p:cSld>
+    <p:spTree>
+      <p:nvGrpSpPr>
+        <p:cNvPr id="1" name=""/>
+        <p:cNvGrpSpPr/>
+        <p:nvPr/>
+      </p:nvGrpSpPr>
+      <p:grpSpPr>
+        <a:xfrm>
+          <a:off x="0" y="0"/>
+          <a:ext cx="0" cy="0"/>
+          <a:chOff x="0" y="0"/>
+          <a:chExt cx="0" cy="0"/>
+        </a:xfrm>
+      </p:grpSpPr>
+      <p:sp>
+        <p:nvSpPr>
+          <p:cNvPr id="2" name="Segnaposto immagine diapositiva 1"/>
+          <p:cNvSpPr>
+            <a:spLocks noGrp="1" noRot="1" noChangeAspect="1"/>
+          </p:cNvSpPr>
+          <p:nvPr>
+            <p:ph type="sldImg"/>
+          </p:nvPr>
+        </p:nvSpPr>
+        <p:spPr/>
+      </p:sp>
+      <p:sp>
+        <p:nvSpPr>
+          <p:cNvPr id="3" name="Segnaposto note 2"/>
+          <p:cNvSpPr>
+            <a:spLocks noGrp="1"/>
+          </p:cNvSpPr>
+          <p:nvPr>
+            <p:ph type="body" idx="1"/>
+          </p:nvPr>
+        </p:nvSpPr>
+        <p:spPr/>
+        <p:txBody>
+          <a:bodyPr/>
+          <a:lstStyle/>
+          <a:p>
+            <a:endParaRPr lang="it-IT" sz="1200" b="0" i="0" u="none" strike="noStrike" kern="1200" baseline="0">
+              <a:solidFill>
+                <a:schemeClr val="tx1"/>
+              </a:solidFill>
+              <a:latin typeface="+mn-lt"/>
+              <a:ea typeface="+mn-ea"/>
+              <a:cs typeface="+mn-cs"/>
+            </a:endParaRPr>
+          </a:p>
+          <a:p>
+            <a:r>
+              <a:rPr lang="it-IT" sz="1200" b="0" i="0" u="none" strike="noStrike" kern="1200" baseline="0">
+                <a:solidFill>
+                  <a:schemeClr val="tx1"/>
+                </a:solidFill>
+                <a:latin typeface="+mn-lt"/>
+                <a:ea typeface="+mn-ea"/>
+                <a:cs typeface="+mn-cs"/>
+              </a:rPr>
+              <a:t>Abbiamo semplificato e omesso la gestione del tempo in termini di ore perché sono previste due sessioni al giorno di durata costante e statica nell’intero periodo. </a:t>
+            </a:r>
+          </a:p>
+          <a:p>
+            <a:endParaRPr lang="it-IT" dirty="0"/>
+          </a:p>
+        </p:txBody>
+      </p:sp>
+      <p:sp>
+        <p:nvSpPr>
+          <p:cNvPr id="4" name="Segnaposto numero diapositiva 3"/>
+          <p:cNvSpPr>
+            <a:spLocks noGrp="1"/>
+          </p:cNvSpPr>
+          <p:nvPr>
+            <p:ph type="sldNum" sz="quarter" idx="5"/>
+          </p:nvPr>
+        </p:nvSpPr>
+        <p:spPr/>
+        <p:txBody>
+          <a:bodyPr/>
+          <a:lstStyle/>
+          <a:p>
+            <a:fld id="{8ED92B2C-5CFA-4787-867D-0624F8FD9221}" type="slidenum">
+              <a:rPr lang="it-IT" smtClean="0"/>
+              <a:t>11</a:t>
+            </a:fld>
+            <a:endParaRPr lang="it-IT" dirty="0"/>
+          </a:p>
+        </p:txBody>
+      </p:sp>
+    </p:spTree>
+    <p:extLst>
+      <p:ext uri="{BB962C8B-B14F-4D97-AF65-F5344CB8AC3E}">
+        <p14:creationId xmlns:p14="http://schemas.microsoft.com/office/powerpoint/2010/main" val="3097246509"/>
+      </p:ext>
+    </p:extLst>
+  </p:cSld>
+  <p:clrMapOvr>
+    <a:masterClrMapping/>
+  </p:clrMapOvr>
+</p:notes>
+</file>
+
 <file path=ppt/notesSlides/notesSlide2.xml><?xml version="1.0" encoding="utf-8"?>
 <p:notes xmlns:a="http://schemas.openxmlformats.org/drawingml/2006/main" xmlns:r="http://schemas.openxmlformats.org/officeDocument/2006/relationships" xmlns:p="http://schemas.openxmlformats.org/presentationml/2006/main">
   <p:cSld>
@@ -3259,7 +3368,7 @@
           <a:p>
             <a:fld id="{062B950A-CEE3-4E95-A114-3E9281D431C0}" type="datetimeFigureOut">
               <a:rPr lang="it-IT" smtClean="0"/>
-              <a:t>24/07/2020</a:t>
+              <a:t>29/12/2020</a:t>
             </a:fld>
             <a:endParaRPr lang="it-IT" dirty="0"/>
           </a:p>
@@ -3313,7 +3422,7 @@
           <a:p>
             <a:fld id="{13D274DF-11CD-4B52-A40B-4569E2A6AECC}" type="slidenum">
               <a:rPr lang="it-IT" smtClean="0"/>
-              <a:t>‹N›</a:t>
+              <a:t>‹#›</a:t>
             </a:fld>
             <a:endParaRPr lang="it-IT" dirty="0"/>
           </a:p>
@@ -3457,7 +3566,7 @@
           <a:p>
             <a:fld id="{062B950A-CEE3-4E95-A114-3E9281D431C0}" type="datetimeFigureOut">
               <a:rPr lang="it-IT" smtClean="0"/>
-              <a:t>24/07/2020</a:t>
+              <a:t>29/12/2020</a:t>
             </a:fld>
             <a:endParaRPr lang="it-IT" dirty="0"/>
           </a:p>
@@ -3511,7 +3620,7 @@
           <a:p>
             <a:fld id="{13D274DF-11CD-4B52-A40B-4569E2A6AECC}" type="slidenum">
               <a:rPr lang="it-IT" smtClean="0"/>
-              <a:t>‹N›</a:t>
+              <a:t>‹#›</a:t>
             </a:fld>
             <a:endParaRPr lang="it-IT" dirty="0"/>
           </a:p>
@@ -3665,7 +3774,7 @@
           <a:p>
             <a:fld id="{062B950A-CEE3-4E95-A114-3E9281D431C0}" type="datetimeFigureOut">
               <a:rPr lang="it-IT" smtClean="0"/>
-              <a:t>24/07/2020</a:t>
+              <a:t>29/12/2020</a:t>
             </a:fld>
             <a:endParaRPr lang="it-IT" dirty="0"/>
           </a:p>
@@ -3719,7 +3828,7 @@
           <a:p>
             <a:fld id="{13D274DF-11CD-4B52-A40B-4569E2A6AECC}" type="slidenum">
               <a:rPr lang="it-IT" smtClean="0"/>
-              <a:t>‹N›</a:t>
+              <a:t>‹#›</a:t>
             </a:fld>
             <a:endParaRPr lang="it-IT" dirty="0"/>
           </a:p>
@@ -3863,7 +3972,7 @@
           <a:p>
             <a:fld id="{062B950A-CEE3-4E95-A114-3E9281D431C0}" type="datetimeFigureOut">
               <a:rPr lang="it-IT" smtClean="0"/>
-              <a:t>24/07/2020</a:t>
+              <a:t>29/12/2020</a:t>
             </a:fld>
             <a:endParaRPr lang="it-IT" dirty="0"/>
           </a:p>
@@ -3917,7 +4026,7 @@
           <a:p>
             <a:fld id="{13D274DF-11CD-4B52-A40B-4569E2A6AECC}" type="slidenum">
               <a:rPr lang="it-IT" smtClean="0"/>
-              <a:t>‹N›</a:t>
+              <a:t>‹#›</a:t>
             </a:fld>
             <a:endParaRPr lang="it-IT" dirty="0"/>
           </a:p>
@@ -4138,7 +4247,7 @@
           <a:p>
             <a:fld id="{062B950A-CEE3-4E95-A114-3E9281D431C0}" type="datetimeFigureOut">
               <a:rPr lang="it-IT" smtClean="0"/>
-              <a:t>24/07/2020</a:t>
+              <a:t>29/12/2020</a:t>
             </a:fld>
             <a:endParaRPr lang="it-IT" dirty="0"/>
           </a:p>
@@ -4192,7 +4301,7 @@
           <a:p>
             <a:fld id="{13D274DF-11CD-4B52-A40B-4569E2A6AECC}" type="slidenum">
               <a:rPr lang="it-IT" smtClean="0"/>
-              <a:t>‹N›</a:t>
+              <a:t>‹#›</a:t>
             </a:fld>
             <a:endParaRPr lang="it-IT" dirty="0"/>
           </a:p>
@@ -4403,7 +4512,7 @@
           <a:p>
             <a:fld id="{062B950A-CEE3-4E95-A114-3E9281D431C0}" type="datetimeFigureOut">
               <a:rPr lang="it-IT" smtClean="0"/>
-              <a:t>24/07/2020</a:t>
+              <a:t>29/12/2020</a:t>
             </a:fld>
             <a:endParaRPr lang="it-IT" dirty="0"/>
           </a:p>
@@ -4457,7 +4566,7 @@
           <a:p>
             <a:fld id="{13D274DF-11CD-4B52-A40B-4569E2A6AECC}" type="slidenum">
               <a:rPr lang="it-IT" smtClean="0"/>
-              <a:t>‹N›</a:t>
+              <a:t>‹#›</a:t>
             </a:fld>
             <a:endParaRPr lang="it-IT" dirty="0"/>
           </a:p>
@@ -4815,7 +4924,7 @@
           <a:p>
             <a:fld id="{062B950A-CEE3-4E95-A114-3E9281D431C0}" type="datetimeFigureOut">
               <a:rPr lang="it-IT" smtClean="0"/>
-              <a:t>24/07/2020</a:t>
+              <a:t>29/12/2020</a:t>
             </a:fld>
             <a:endParaRPr lang="it-IT" dirty="0"/>
           </a:p>
@@ -4869,7 +4978,7 @@
           <a:p>
             <a:fld id="{13D274DF-11CD-4B52-A40B-4569E2A6AECC}" type="slidenum">
               <a:rPr lang="it-IT" smtClean="0"/>
-              <a:t>‹N›</a:t>
+              <a:t>‹#›</a:t>
             </a:fld>
             <a:endParaRPr lang="it-IT" dirty="0"/>
           </a:p>
@@ -4956,7 +5065,7 @@
           <a:p>
             <a:fld id="{062B950A-CEE3-4E95-A114-3E9281D431C0}" type="datetimeFigureOut">
               <a:rPr lang="it-IT" smtClean="0"/>
-              <a:t>24/07/2020</a:t>
+              <a:t>29/12/2020</a:t>
             </a:fld>
             <a:endParaRPr lang="it-IT" dirty="0"/>
           </a:p>
@@ -5010,7 +5119,7 @@
           <a:p>
             <a:fld id="{13D274DF-11CD-4B52-A40B-4569E2A6AECC}" type="slidenum">
               <a:rPr lang="it-IT" smtClean="0"/>
-              <a:t>‹N›</a:t>
+              <a:t>‹#›</a:t>
             </a:fld>
             <a:endParaRPr lang="it-IT" dirty="0"/>
           </a:p>
@@ -5069,7 +5178,7 @@
           <a:p>
             <a:fld id="{062B950A-CEE3-4E95-A114-3E9281D431C0}" type="datetimeFigureOut">
               <a:rPr lang="it-IT" smtClean="0"/>
-              <a:t>24/07/2020</a:t>
+              <a:t>29/12/2020</a:t>
             </a:fld>
             <a:endParaRPr lang="it-IT" dirty="0"/>
           </a:p>
@@ -5123,7 +5232,7 @@
           <a:p>
             <a:fld id="{13D274DF-11CD-4B52-A40B-4569E2A6AECC}" type="slidenum">
               <a:rPr lang="it-IT" smtClean="0"/>
-              <a:t>‹N›</a:t>
+              <a:t>‹#›</a:t>
             </a:fld>
             <a:endParaRPr lang="it-IT" dirty="0"/>
           </a:p>
@@ -5380,7 +5489,7 @@
           <a:p>
             <a:fld id="{062B950A-CEE3-4E95-A114-3E9281D431C0}" type="datetimeFigureOut">
               <a:rPr lang="it-IT" smtClean="0"/>
-              <a:t>24/07/2020</a:t>
+              <a:t>29/12/2020</a:t>
             </a:fld>
             <a:endParaRPr lang="it-IT" dirty="0"/>
           </a:p>
@@ -5434,7 +5543,7 @@
           <a:p>
             <a:fld id="{13D274DF-11CD-4B52-A40B-4569E2A6AECC}" type="slidenum">
               <a:rPr lang="it-IT" smtClean="0"/>
-              <a:t>‹N›</a:t>
+              <a:t>‹#›</a:t>
             </a:fld>
             <a:endParaRPr lang="it-IT" dirty="0"/>
           </a:p>
@@ -5668,7 +5777,7 @@
           <a:p>
             <a:fld id="{062B950A-CEE3-4E95-A114-3E9281D431C0}" type="datetimeFigureOut">
               <a:rPr lang="it-IT" smtClean="0"/>
-              <a:t>24/07/2020</a:t>
+              <a:t>29/12/2020</a:t>
             </a:fld>
             <a:endParaRPr lang="it-IT" dirty="0"/>
           </a:p>
@@ -5722,7 +5831,7 @@
           <a:p>
             <a:fld id="{13D274DF-11CD-4B52-A40B-4569E2A6AECC}" type="slidenum">
               <a:rPr lang="it-IT" smtClean="0"/>
-              <a:t>‹N›</a:t>
+              <a:t>‹#›</a:t>
             </a:fld>
             <a:endParaRPr lang="it-IT" dirty="0"/>
           </a:p>
@@ -5909,7 +6018,7 @@
           <a:p>
             <a:fld id="{062B950A-CEE3-4E95-A114-3E9281D431C0}" type="datetimeFigureOut">
               <a:rPr lang="it-IT" smtClean="0"/>
-              <a:t>24/07/2020</a:t>
+              <a:t>29/12/2020</a:t>
             </a:fld>
             <a:endParaRPr lang="it-IT" dirty="0"/>
           </a:p>
@@ -5999,7 +6108,7 @@
           <a:p>
             <a:fld id="{13D274DF-11CD-4B52-A40B-4569E2A6AECC}" type="slidenum">
               <a:rPr lang="it-IT" smtClean="0"/>
-              <a:t>‹N›</a:t>
+              <a:t>‹#›</a:t>
             </a:fld>
             <a:endParaRPr lang="it-IT" dirty="0"/>
           </a:p>
@@ -7294,6 +7403,476 @@
 </file>
 
 <file path=ppt/slides/slide11.xml><?xml version="1.0" encoding="utf-8"?>
+<p:sld xmlns:a="http://schemas.openxmlformats.org/drawingml/2006/main" xmlns:r="http://schemas.openxmlformats.org/officeDocument/2006/relationships" xmlns:p="http://schemas.openxmlformats.org/presentationml/2006/main">
+  <p:cSld>
+    <p:spTree>
+      <p:nvGrpSpPr>
+        <p:cNvPr id="1" name=""/>
+        <p:cNvGrpSpPr/>
+        <p:nvPr/>
+      </p:nvGrpSpPr>
+      <p:grpSpPr>
+        <a:xfrm>
+          <a:off x="0" y="0"/>
+          <a:ext cx="0" cy="0"/>
+          <a:chOff x="0" y="0"/>
+          <a:chExt cx="0" cy="0"/>
+        </a:xfrm>
+      </p:grpSpPr>
+      <p:sp>
+        <p:nvSpPr>
+          <p:cNvPr id="5" name="Segnaposto contenuto 4">
+            <a:extLst>
+              <a:ext uri="{FF2B5EF4-FFF2-40B4-BE49-F238E27FC236}">
+                <a16:creationId xmlns:a16="http://schemas.microsoft.com/office/drawing/2014/main" id="{B54CFEEB-A4F3-421F-996F-B1A072CE849C}"/>
+              </a:ext>
+            </a:extLst>
+          </p:cNvPr>
+          <p:cNvSpPr txBox="1">
+            <a:spLocks/>
+          </p:cNvSpPr>
+          <p:nvPr/>
+        </p:nvSpPr>
+        <p:spPr>
+          <a:xfrm>
+            <a:off x="1479223" y="1496511"/>
+            <a:ext cx="9361602" cy="4480063"/>
+          </a:xfrm>
+          <a:prstGeom prst="rect">
+            <a:avLst/>
+          </a:prstGeom>
+        </p:spPr>
+        <p:txBody>
+          <a:bodyPr>
+            <a:normAutofit/>
+          </a:bodyPr>
+          <a:lstStyle>
+            <a:lvl1pPr marL="228600" indent="-228600" algn="l" defTabSz="914400" rtl="0" eaLnBrk="1" latinLnBrk="0" hangingPunct="1">
+              <a:lnSpc>
+                <a:spcPct val="90000"/>
+              </a:lnSpc>
+              <a:spcBef>
+                <a:spcPts val="1000"/>
+              </a:spcBef>
+              <a:buFont typeface="Arial" panose="020B0604020202020204" pitchFamily="34" charset="0"/>
+              <a:buChar char="•"/>
+              <a:defRPr sz="2800" kern="1200">
+                <a:solidFill>
+                  <a:schemeClr val="tx1"/>
+                </a:solidFill>
+                <a:latin typeface="+mn-lt"/>
+                <a:ea typeface="+mn-ea"/>
+                <a:cs typeface="+mn-cs"/>
+              </a:defRPr>
+            </a:lvl1pPr>
+            <a:lvl2pPr marL="685800" indent="-228600" algn="l" defTabSz="914400" rtl="0" eaLnBrk="1" latinLnBrk="0" hangingPunct="1">
+              <a:lnSpc>
+                <a:spcPct val="90000"/>
+              </a:lnSpc>
+              <a:spcBef>
+                <a:spcPts val="500"/>
+              </a:spcBef>
+              <a:buFont typeface="Arial" panose="020B0604020202020204" pitchFamily="34" charset="0"/>
+              <a:buChar char="•"/>
+              <a:defRPr sz="2400" kern="1200">
+                <a:solidFill>
+                  <a:schemeClr val="tx1"/>
+                </a:solidFill>
+                <a:latin typeface="+mn-lt"/>
+                <a:ea typeface="+mn-ea"/>
+                <a:cs typeface="+mn-cs"/>
+              </a:defRPr>
+            </a:lvl2pPr>
+            <a:lvl3pPr marL="1143000" indent="-228600" algn="l" defTabSz="914400" rtl="0" eaLnBrk="1" latinLnBrk="0" hangingPunct="1">
+              <a:lnSpc>
+                <a:spcPct val="90000"/>
+              </a:lnSpc>
+              <a:spcBef>
+                <a:spcPts val="500"/>
+              </a:spcBef>
+              <a:buFont typeface="Arial" panose="020B0604020202020204" pitchFamily="34" charset="0"/>
+              <a:buChar char="•"/>
+              <a:defRPr sz="2000" kern="1200">
+                <a:solidFill>
+                  <a:schemeClr val="tx1"/>
+                </a:solidFill>
+                <a:latin typeface="+mn-lt"/>
+                <a:ea typeface="+mn-ea"/>
+                <a:cs typeface="+mn-cs"/>
+              </a:defRPr>
+            </a:lvl3pPr>
+            <a:lvl4pPr marL="1600200" indent="-228600" algn="l" defTabSz="914400" rtl="0" eaLnBrk="1" latinLnBrk="0" hangingPunct="1">
+              <a:lnSpc>
+                <a:spcPct val="90000"/>
+              </a:lnSpc>
+              <a:spcBef>
+                <a:spcPts val="500"/>
+              </a:spcBef>
+              <a:buFont typeface="Arial" panose="020B0604020202020204" pitchFamily="34" charset="0"/>
+              <a:buChar char="•"/>
+              <a:defRPr sz="1800" kern="1200">
+                <a:solidFill>
+                  <a:schemeClr val="tx1"/>
+                </a:solidFill>
+                <a:latin typeface="+mn-lt"/>
+                <a:ea typeface="+mn-ea"/>
+                <a:cs typeface="+mn-cs"/>
+              </a:defRPr>
+            </a:lvl4pPr>
+            <a:lvl5pPr marL="2057400" indent="-228600" algn="l" defTabSz="914400" rtl="0" eaLnBrk="1" latinLnBrk="0" hangingPunct="1">
+              <a:lnSpc>
+                <a:spcPct val="90000"/>
+              </a:lnSpc>
+              <a:spcBef>
+                <a:spcPts val="500"/>
+              </a:spcBef>
+              <a:buFont typeface="Arial" panose="020B0604020202020204" pitchFamily="34" charset="0"/>
+              <a:buChar char="•"/>
+              <a:defRPr sz="1800" kern="1200">
+                <a:solidFill>
+                  <a:schemeClr val="tx1"/>
+                </a:solidFill>
+                <a:latin typeface="+mn-lt"/>
+                <a:ea typeface="+mn-ea"/>
+                <a:cs typeface="+mn-cs"/>
+              </a:defRPr>
+            </a:lvl5pPr>
+            <a:lvl6pPr marL="2514600" indent="-228600" algn="l" defTabSz="914400" rtl="0" eaLnBrk="1" latinLnBrk="0" hangingPunct="1">
+              <a:lnSpc>
+                <a:spcPct val="90000"/>
+              </a:lnSpc>
+              <a:spcBef>
+                <a:spcPts val="500"/>
+              </a:spcBef>
+              <a:buFont typeface="Arial" panose="020B0604020202020204" pitchFamily="34" charset="0"/>
+              <a:buChar char="•"/>
+              <a:defRPr sz="1800" kern="1200">
+                <a:solidFill>
+                  <a:schemeClr val="tx1"/>
+                </a:solidFill>
+                <a:latin typeface="+mn-lt"/>
+                <a:ea typeface="+mn-ea"/>
+                <a:cs typeface="+mn-cs"/>
+              </a:defRPr>
+            </a:lvl6pPr>
+            <a:lvl7pPr marL="2971800" indent="-228600" algn="l" defTabSz="914400" rtl="0" eaLnBrk="1" latinLnBrk="0" hangingPunct="1">
+              <a:lnSpc>
+                <a:spcPct val="90000"/>
+              </a:lnSpc>
+              <a:spcBef>
+                <a:spcPts val="500"/>
+              </a:spcBef>
+              <a:buFont typeface="Arial" panose="020B0604020202020204" pitchFamily="34" charset="0"/>
+              <a:buChar char="•"/>
+              <a:defRPr sz="1800" kern="1200">
+                <a:solidFill>
+                  <a:schemeClr val="tx1"/>
+                </a:solidFill>
+                <a:latin typeface="+mn-lt"/>
+                <a:ea typeface="+mn-ea"/>
+                <a:cs typeface="+mn-cs"/>
+              </a:defRPr>
+            </a:lvl7pPr>
+            <a:lvl8pPr marL="3429000" indent="-228600" algn="l" defTabSz="914400" rtl="0" eaLnBrk="1" latinLnBrk="0" hangingPunct="1">
+              <a:lnSpc>
+                <a:spcPct val="90000"/>
+              </a:lnSpc>
+              <a:spcBef>
+                <a:spcPts val="500"/>
+              </a:spcBef>
+              <a:buFont typeface="Arial" panose="020B0604020202020204" pitchFamily="34" charset="0"/>
+              <a:buChar char="•"/>
+              <a:defRPr sz="1800" kern="1200">
+                <a:solidFill>
+                  <a:schemeClr val="tx1"/>
+                </a:solidFill>
+                <a:latin typeface="+mn-lt"/>
+                <a:ea typeface="+mn-ea"/>
+                <a:cs typeface="+mn-cs"/>
+              </a:defRPr>
+            </a:lvl8pPr>
+            <a:lvl9pPr marL="3886200" indent="-228600" algn="l" defTabSz="914400" rtl="0" eaLnBrk="1" latinLnBrk="0" hangingPunct="1">
+              <a:lnSpc>
+                <a:spcPct val="90000"/>
+              </a:lnSpc>
+              <a:spcBef>
+                <a:spcPts val="500"/>
+              </a:spcBef>
+              <a:buFont typeface="Arial" panose="020B0604020202020204" pitchFamily="34" charset="0"/>
+              <a:buChar char="•"/>
+              <a:defRPr sz="1800" kern="1200">
+                <a:solidFill>
+                  <a:schemeClr val="tx1"/>
+                </a:solidFill>
+                <a:latin typeface="+mn-lt"/>
+                <a:ea typeface="+mn-ea"/>
+                <a:cs typeface="+mn-cs"/>
+              </a:defRPr>
+            </a:lvl9pPr>
+          </a:lstStyle>
+          <a:p>
+            <a:endParaRPr lang="it-IT" u="sng" dirty="0">
+              <a:latin typeface="Segoe UI" panose="020B0502040204020203" pitchFamily="34" charset="0"/>
+              <a:cs typeface="Segoe UI" panose="020B0502040204020203" pitchFamily="34" charset="0"/>
+            </a:endParaRPr>
+          </a:p>
+        </p:txBody>
+      </p:sp>
+      <p:cxnSp>
+        <p:nvCxnSpPr>
+          <p:cNvPr id="8" name="Connettore diritto 7">
+            <a:extLst>
+              <a:ext uri="{FF2B5EF4-FFF2-40B4-BE49-F238E27FC236}">
+                <a16:creationId xmlns:a16="http://schemas.microsoft.com/office/drawing/2014/main" id="{A967B5E2-01F3-4D45-801F-5F3AFB6D648B}"/>
+              </a:ext>
+            </a:extLst>
+          </p:cNvPr>
+          <p:cNvCxnSpPr>
+            <a:cxnSpLocks/>
+          </p:cNvCxnSpPr>
+          <p:nvPr/>
+        </p:nvCxnSpPr>
+        <p:spPr>
+          <a:xfrm>
+            <a:off x="923040" y="879955"/>
+            <a:ext cx="10416034" cy="0"/>
+          </a:xfrm>
+          <a:prstGeom prst="line">
+            <a:avLst/>
+          </a:prstGeom>
+          <a:ln w="12700">
+            <a:solidFill>
+              <a:schemeClr val="accent1">
+                <a:lumMod val="50000"/>
+              </a:schemeClr>
+            </a:solidFill>
+          </a:ln>
+        </p:spPr>
+        <p:style>
+          <a:lnRef idx="1">
+            <a:schemeClr val="accent1"/>
+          </a:lnRef>
+          <a:fillRef idx="0">
+            <a:schemeClr val="accent1"/>
+          </a:fillRef>
+          <a:effectRef idx="0">
+            <a:schemeClr val="accent1"/>
+          </a:effectRef>
+          <a:fontRef idx="minor">
+            <a:schemeClr val="tx1"/>
+          </a:fontRef>
+        </p:style>
+      </p:cxnSp>
+      <p:sp>
+        <p:nvSpPr>
+          <p:cNvPr id="9" name="Titolo 6">
+            <a:extLst>
+              <a:ext uri="{FF2B5EF4-FFF2-40B4-BE49-F238E27FC236}">
+                <a16:creationId xmlns:a16="http://schemas.microsoft.com/office/drawing/2014/main" id="{82B70A7D-F199-4392-AC97-C88200BAA24C}"/>
+              </a:ext>
+            </a:extLst>
+          </p:cNvPr>
+          <p:cNvSpPr txBox="1">
+            <a:spLocks/>
+          </p:cNvSpPr>
+          <p:nvPr/>
+        </p:nvSpPr>
+        <p:spPr>
+          <a:xfrm>
+            <a:off x="923040" y="122281"/>
+            <a:ext cx="9191135" cy="953386"/>
+          </a:xfrm>
+          <a:prstGeom prst="rect">
+            <a:avLst/>
+          </a:prstGeom>
+        </p:spPr>
+        <p:txBody>
+          <a:bodyPr vert="horz" lIns="91440" tIns="45720" rIns="91440" bIns="45720" rtlCol="0" anchor="ctr">
+            <a:normAutofit/>
+          </a:bodyPr>
+          <a:lstStyle>
+            <a:lvl1pPr algn="l" defTabSz="914400" rtl="0" eaLnBrk="1" latinLnBrk="0" hangingPunct="1">
+              <a:lnSpc>
+                <a:spcPct val="90000"/>
+              </a:lnSpc>
+              <a:spcBef>
+                <a:spcPct val="0"/>
+              </a:spcBef>
+              <a:buNone/>
+              <a:defRPr sz="4400" kern="1200">
+                <a:solidFill>
+                  <a:schemeClr val="tx1"/>
+                </a:solidFill>
+                <a:latin typeface="+mj-lt"/>
+                <a:ea typeface="+mj-ea"/>
+                <a:cs typeface="+mj-cs"/>
+              </a:defRPr>
+            </a:lvl1pPr>
+          </a:lstStyle>
+          <a:p>
+            <a:r>
+              <a:rPr lang="it-IT" sz="3200" b="1">
+                <a:solidFill>
+                  <a:schemeClr val="accent1"/>
+                </a:solidFill>
+                <a:uFill>
+                  <a:solidFill>
+                    <a:srgbClr val="291C1D"/>
+                  </a:solidFill>
+                </a:uFill>
+                <a:latin typeface="Segoe UI" panose="020B0502040204020203" pitchFamily="34" charset="0"/>
+                <a:ea typeface="Roboto" panose="02000000000000000000" pitchFamily="2" charset="0"/>
+                <a:cs typeface="Segoe UI" panose="020B0502040204020203" pitchFamily="34" charset="0"/>
+              </a:rPr>
+              <a:t>10 references</a:t>
+            </a:r>
+            <a:endParaRPr lang="it-IT" sz="3600" dirty="0">
+              <a:solidFill>
+                <a:srgbClr val="FF0000"/>
+              </a:solidFill>
+              <a:uFill>
+                <a:solidFill>
+                  <a:srgbClr val="291C1D"/>
+                </a:solidFill>
+              </a:uFill>
+              <a:latin typeface="Segoe UI" panose="020B0502040204020203" pitchFamily="34" charset="0"/>
+              <a:ea typeface="Roboto" panose="02000000000000000000" pitchFamily="2" charset="0"/>
+              <a:cs typeface="Segoe UI" panose="020B0502040204020203" pitchFamily="34" charset="0"/>
+            </a:endParaRPr>
+          </a:p>
+        </p:txBody>
+      </p:sp>
+      <p:pic>
+        <p:nvPicPr>
+          <p:cNvPr id="2" name="Picture 1">
+            <a:extLst>
+              <a:ext uri="{FF2B5EF4-FFF2-40B4-BE49-F238E27FC236}">
+                <a16:creationId xmlns:a16="http://schemas.microsoft.com/office/drawing/2014/main" id="{065A9248-755B-4B81-96D4-C0B82C730597}"/>
+              </a:ext>
+            </a:extLst>
+          </p:cNvPr>
+          <p:cNvPicPr>
+            <a:picLocks noChangeAspect="1"/>
+          </p:cNvPicPr>
+          <p:nvPr/>
+        </p:nvPicPr>
+        <p:blipFill>
+          <a:blip r:embed="rId3"/>
+          <a:stretch>
+            <a:fillRect/>
+          </a:stretch>
+        </p:blipFill>
+        <p:spPr>
+          <a:xfrm>
+            <a:off x="2013358" y="1154818"/>
+            <a:ext cx="7776594" cy="4760141"/>
+          </a:xfrm>
+          <a:prstGeom prst="rect">
+            <a:avLst/>
+          </a:prstGeom>
+        </p:spPr>
+      </p:pic>
+    </p:spTree>
+    <p:extLst>
+      <p:ext uri="{BB962C8B-B14F-4D97-AF65-F5344CB8AC3E}">
+        <p14:creationId xmlns:p14="http://schemas.microsoft.com/office/powerpoint/2010/main" val="119546394"/>
+      </p:ext>
+    </p:extLst>
+  </p:cSld>
+  <p:clrMapOvr>
+    <a:masterClrMapping/>
+  </p:clrMapOvr>
+  <p:timing>
+    <p:tnLst>
+      <p:par>
+        <p:cTn id="1" dur="indefinite" restart="never" nodeType="tmRoot">
+          <p:childTnLst>
+            <p:seq concurrent="1" nextAc="seek">
+              <p:cTn id="2" dur="indefinite" nodeType="mainSeq">
+                <p:childTnLst>
+                  <p:par>
+                    <p:cTn id="3" fill="hold">
+                      <p:stCondLst>
+                        <p:cond delay="indefinite"/>
+                      </p:stCondLst>
+                      <p:childTnLst>
+                        <p:par>
+                          <p:cTn id="4" fill="hold">
+                            <p:stCondLst>
+                              <p:cond delay="0"/>
+                            </p:stCondLst>
+                            <p:childTnLst>
+                              <p:par>
+                                <p:cTn id="5" presetID="1" presetClass="entr" presetSubtype="0" fill="hold" grpId="0" nodeType="clickEffect" nodePh="1">
+                                  <p:stCondLst>
+                                    <p:cond delay="0"/>
+                                  </p:stCondLst>
+                                  <p:endCondLst>
+                                    <p:cond evt="begin" delay="0">
+                                      <p:tn val="5"/>
+                                    </p:cond>
+                                  </p:endCondLst>
+                                  <p:childTnLst>
+                                    <p:set>
+                                      <p:cBhvr>
+                                        <p:cTn id="6" dur="1" fill="hold">
+                                          <p:stCondLst>
+                                            <p:cond delay="0"/>
+                                          </p:stCondLst>
+                                        </p:cTn>
+                                        <p:tgtEl>
+                                          <p:spTgt spid="5">
+                                            <p:txEl>
+                                              <p:pRg st="0" end="0"/>
+                                            </p:txEl>
+                                          </p:spTgt>
+                                        </p:tgtEl>
+                                        <p:attrNameLst>
+                                          <p:attrName>style.visibility</p:attrName>
+                                        </p:attrNameLst>
+                                      </p:cBhvr>
+                                      <p:to>
+                                        <p:strVal val="visible"/>
+                                      </p:to>
+                                    </p:set>
+                                  </p:childTnLst>
+                                </p:cTn>
+                              </p:par>
+                            </p:childTnLst>
+                          </p:cTn>
+                        </p:par>
+                      </p:childTnLst>
+                    </p:cTn>
+                  </p:par>
+                </p:childTnLst>
+              </p:cTn>
+              <p:prevCondLst>
+                <p:cond evt="onPrev" delay="0">
+                  <p:tgtEl>
+                    <p:sldTgt/>
+                  </p:tgtEl>
+                </p:cond>
+              </p:prevCondLst>
+              <p:nextCondLst>
+                <p:cond evt="onNext" delay="0">
+                  <p:tgtEl>
+                    <p:sldTgt/>
+                  </p:tgtEl>
+                </p:cond>
+              </p:nextCondLst>
+            </p:seq>
+          </p:childTnLst>
+        </p:cTn>
+      </p:par>
+    </p:tnLst>
+    <p:bldLst>
+      <p:bldP spid="5" grpId="0" build="p"/>
+    </p:bldLst>
+  </p:timing>
+</p:sld>
+</file>
+
+<file path=ppt/slides/slide12.xml><?xml version="1.0" encoding="utf-8"?>
 <p:sld xmlns:a="http://schemas.openxmlformats.org/drawingml/2006/main" xmlns:r="http://schemas.openxmlformats.org/officeDocument/2006/relationships" xmlns:p="http://schemas.openxmlformats.org/presentationml/2006/main">
   <p:cSld>
     <p:spTree>
